--- a/etc/atpp.pptx
+++ b/etc/atpp.pptx
@@ -208,7 +208,7 @@
           <a:p>
             <a:fld id="{22CC3290-24F6-477F-95D9-2B730663FC8A}" type="datetimeFigureOut">
               <a:rPr kumimoji="1" lang="ja-JP" altLang="en-US" smtClean="0"/>
-              <a:t>2019/8/28</a:t>
+              <a:t>2019/8/30</a:t>
             </a:fld>
             <a:endParaRPr kumimoji="1" lang="ja-JP" altLang="en-US"/>
           </a:p>
@@ -689,7 +689,7 @@
           <a:p>
             <a:fld id="{58F1A61C-07EC-4CEE-80EB-D6F8CCBD6E84}" type="datetimeFigureOut">
               <a:rPr kumimoji="1" lang="ja-JP" altLang="en-US" smtClean="0"/>
-              <a:t>2019/8/28</a:t>
+              <a:t>2019/8/30</a:t>
             </a:fld>
             <a:endParaRPr kumimoji="1" lang="ja-JP" altLang="en-US"/>
           </a:p>
@@ -891,7 +891,7 @@
           <a:p>
             <a:fld id="{58F1A61C-07EC-4CEE-80EB-D6F8CCBD6E84}" type="datetimeFigureOut">
               <a:rPr kumimoji="1" lang="ja-JP" altLang="en-US" smtClean="0"/>
-              <a:t>2019/8/28</a:t>
+              <a:t>2019/8/30</a:t>
             </a:fld>
             <a:endParaRPr kumimoji="1" lang="ja-JP" altLang="en-US"/>
           </a:p>
@@ -1103,7 +1103,7 @@
           <a:p>
             <a:fld id="{58F1A61C-07EC-4CEE-80EB-D6F8CCBD6E84}" type="datetimeFigureOut">
               <a:rPr kumimoji="1" lang="ja-JP" altLang="en-US" smtClean="0"/>
-              <a:t>2019/8/28</a:t>
+              <a:t>2019/8/30</a:t>
             </a:fld>
             <a:endParaRPr kumimoji="1" lang="ja-JP" altLang="en-US"/>
           </a:p>
@@ -1305,7 +1305,7 @@
           <a:p>
             <a:fld id="{58F1A61C-07EC-4CEE-80EB-D6F8CCBD6E84}" type="datetimeFigureOut">
               <a:rPr kumimoji="1" lang="ja-JP" altLang="en-US" smtClean="0"/>
-              <a:t>2019/8/28</a:t>
+              <a:t>2019/8/30</a:t>
             </a:fld>
             <a:endParaRPr kumimoji="1" lang="ja-JP" altLang="en-US"/>
           </a:p>
@@ -1551,7 +1551,7 @@
           <a:p>
             <a:fld id="{58F1A61C-07EC-4CEE-80EB-D6F8CCBD6E84}" type="datetimeFigureOut">
               <a:rPr kumimoji="1" lang="ja-JP" altLang="en-US" smtClean="0"/>
-              <a:t>2019/8/28</a:t>
+              <a:t>2019/8/30</a:t>
             </a:fld>
             <a:endParaRPr kumimoji="1" lang="ja-JP" altLang="en-US"/>
           </a:p>
@@ -1903,7 +1903,7 @@
           <a:p>
             <a:fld id="{58F1A61C-07EC-4CEE-80EB-D6F8CCBD6E84}" type="datetimeFigureOut">
               <a:rPr kumimoji="1" lang="ja-JP" altLang="en-US" smtClean="0"/>
-              <a:t>2019/8/28</a:t>
+              <a:t>2019/8/30</a:t>
             </a:fld>
             <a:endParaRPr kumimoji="1" lang="ja-JP" altLang="en-US"/>
           </a:p>
@@ -2389,7 +2389,7 @@
           <a:p>
             <a:fld id="{58F1A61C-07EC-4CEE-80EB-D6F8CCBD6E84}" type="datetimeFigureOut">
               <a:rPr kumimoji="1" lang="ja-JP" altLang="en-US" smtClean="0"/>
-              <a:t>2019/8/28</a:t>
+              <a:t>2019/8/30</a:t>
             </a:fld>
             <a:endParaRPr kumimoji="1" lang="ja-JP" altLang="en-US"/>
           </a:p>
@@ -2507,7 +2507,7 @@
           <a:p>
             <a:fld id="{58F1A61C-07EC-4CEE-80EB-D6F8CCBD6E84}" type="datetimeFigureOut">
               <a:rPr kumimoji="1" lang="ja-JP" altLang="en-US" smtClean="0"/>
-              <a:t>2019/8/28</a:t>
+              <a:t>2019/8/30</a:t>
             </a:fld>
             <a:endParaRPr kumimoji="1" lang="ja-JP" altLang="en-US"/>
           </a:p>
@@ -2602,7 +2602,7 @@
           <a:p>
             <a:fld id="{58F1A61C-07EC-4CEE-80EB-D6F8CCBD6E84}" type="datetimeFigureOut">
               <a:rPr kumimoji="1" lang="ja-JP" altLang="en-US" smtClean="0"/>
-              <a:t>2019/8/28</a:t>
+              <a:t>2019/8/30</a:t>
             </a:fld>
             <a:endParaRPr kumimoji="1" lang="ja-JP" altLang="en-US"/>
           </a:p>
@@ -2911,7 +2911,7 @@
           <a:p>
             <a:fld id="{58F1A61C-07EC-4CEE-80EB-D6F8CCBD6E84}" type="datetimeFigureOut">
               <a:rPr kumimoji="1" lang="ja-JP" altLang="en-US" smtClean="0"/>
-              <a:t>2019/8/28</a:t>
+              <a:t>2019/8/30</a:t>
             </a:fld>
             <a:endParaRPr kumimoji="1" lang="ja-JP" altLang="en-US"/>
           </a:p>
@@ -3164,7 +3164,7 @@
           <a:p>
             <a:fld id="{58F1A61C-07EC-4CEE-80EB-D6F8CCBD6E84}" type="datetimeFigureOut">
               <a:rPr kumimoji="1" lang="ja-JP" altLang="en-US" smtClean="0"/>
-              <a:t>2019/8/28</a:t>
+              <a:t>2019/8/30</a:t>
             </a:fld>
             <a:endParaRPr kumimoji="1" lang="ja-JP" altLang="en-US"/>
           </a:p>
@@ -3409,7 +3409,7 @@
           <a:p>
             <a:fld id="{58F1A61C-07EC-4CEE-80EB-D6F8CCBD6E84}" type="datetimeFigureOut">
               <a:rPr kumimoji="1" lang="ja-JP" altLang="en-US" smtClean="0"/>
-              <a:t>2019/8/28</a:t>
+              <a:t>2019/8/30</a:t>
             </a:fld>
             <a:endParaRPr kumimoji="1" lang="ja-JP" altLang="en-US"/>
           </a:p>
@@ -3957,8 +3957,8 @@
         </p:nvSpPr>
         <p:spPr>
           <a:xfrm>
-            <a:off x="4139952" y="1061707"/>
-            <a:ext cx="2380473" cy="340204"/>
+            <a:off x="3388944" y="1061707"/>
+            <a:ext cx="3131482" cy="340204"/>
           </a:xfrm>
           <a:prstGeom prst="rect">
             <a:avLst/>
@@ -4004,14 +4004,14 @@
           <a:p>
             <a:pPr algn="ctr"/>
             <a:r>
-              <a:rPr kumimoji="1" lang="en-US" altLang="ja-JP" dirty="0" err="1" smtClean="0">
+              <a:rPr kumimoji="1" lang="en-US" altLang="ja-JP" sz="1400" dirty="0" err="1" smtClean="0">
                 <a:solidFill>
                   <a:schemeClr val="tx1"/>
                 </a:solidFill>
               </a:rPr>
               <a:t>EventSearch</a:t>
             </a:r>
-            <a:endParaRPr kumimoji="1" lang="ja-JP" altLang="en-US" dirty="0">
+            <a:endParaRPr kumimoji="1" lang="ja-JP" altLang="en-US" sz="1400" dirty="0">
               <a:solidFill>
                 <a:schemeClr val="tx1"/>
               </a:solidFill>
@@ -4027,8 +4027,8 @@
         </p:nvSpPr>
         <p:spPr>
           <a:xfrm>
-            <a:off x="1266112" y="2013469"/>
-            <a:ext cx="1721296" cy="680407"/>
+            <a:off x="1400318" y="2865491"/>
+            <a:ext cx="3457715" cy="352068"/>
           </a:xfrm>
           <a:prstGeom prst="rect">
             <a:avLst/>
@@ -4074,25 +4074,14 @@
           <a:p>
             <a:pPr algn="ctr"/>
             <a:r>
-              <a:rPr kumimoji="1" lang="en-US" altLang="ja-JP" dirty="0" smtClean="0">
+              <a:rPr kumimoji="1" lang="en-US" altLang="ja-JP" sz="1400" dirty="0" smtClean="0">
                 <a:solidFill>
                   <a:schemeClr val="tx1"/>
                 </a:solidFill>
               </a:rPr>
-              <a:t>Channel</a:t>
-            </a:r>
-          </a:p>
-          <a:p>
-            <a:pPr algn="ctr"/>
-            <a:r>
-              <a:rPr kumimoji="1" lang="en-US" altLang="ja-JP" dirty="0" smtClean="0">
-                <a:solidFill>
-                  <a:schemeClr val="tx1"/>
-                </a:solidFill>
-              </a:rPr>
-              <a:t>Manager</a:t>
-            </a:r>
-            <a:endParaRPr kumimoji="1" lang="ja-JP" altLang="en-US" dirty="0">
+              <a:t>Channel Manager</a:t>
+            </a:r>
+            <a:endParaRPr kumimoji="1" lang="ja-JP" altLang="en-US" sz="1400" dirty="0">
               <a:solidFill>
                 <a:schemeClr val="tx1"/>
               </a:solidFill>
@@ -4108,8 +4097,8 @@
         </p:nvSpPr>
         <p:spPr>
           <a:xfrm>
-            <a:off x="1024249" y="1039137"/>
-            <a:ext cx="2282040" cy="385344"/>
+            <a:off x="801546" y="1103593"/>
+            <a:ext cx="1724932" cy="385344"/>
           </a:xfrm>
           <a:prstGeom prst="rect">
             <a:avLst/>
@@ -4155,22 +4144,22 @@
           <a:p>
             <a:pPr algn="ctr"/>
             <a:r>
-              <a:rPr kumimoji="1" lang="en-US" altLang="ja-JP" dirty="0" err="1" smtClean="0">
+              <a:rPr kumimoji="1" lang="en-US" altLang="ja-JP" sz="1400" dirty="0" smtClean="0">
                 <a:solidFill>
                   <a:schemeClr val="tx1"/>
                 </a:solidFill>
               </a:rPr>
-              <a:t>Command</a:t>
-            </a:r>
-            <a:r>
-              <a:rPr lang="en-US" altLang="ja-JP" dirty="0" err="1" smtClean="0">
+              <a:t>Command </a:t>
+            </a:r>
+            <a:r>
+              <a:rPr lang="en-US" altLang="ja-JP" sz="1400" dirty="0" smtClean="0">
                 <a:solidFill>
                   <a:schemeClr val="tx1"/>
                 </a:solidFill>
               </a:rPr>
               <a:t>Server</a:t>
             </a:r>
-            <a:endParaRPr kumimoji="1" lang="ja-JP" altLang="en-US" dirty="0">
+            <a:endParaRPr kumimoji="1" lang="ja-JP" altLang="en-US" sz="1400" dirty="0">
               <a:solidFill>
                 <a:schemeClr val="tx1"/>
               </a:solidFill>
@@ -4186,8 +4175,8 @@
         </p:nvSpPr>
         <p:spPr>
           <a:xfrm>
-            <a:off x="1115616" y="5865666"/>
-            <a:ext cx="5904656" cy="384094"/>
+            <a:off x="683568" y="5865666"/>
+            <a:ext cx="6696744" cy="384094"/>
           </a:xfrm>
           <a:prstGeom prst="rect">
             <a:avLst/>
@@ -4233,7 +4222,7 @@
           <a:p>
             <a:pPr algn="ctr"/>
             <a:r>
-              <a:rPr kumimoji="1" lang="en-US" altLang="ja-JP" dirty="0" err="1" smtClean="0">
+              <a:rPr kumimoji="1" lang="en-US" altLang="ja-JP" sz="1400" dirty="0" err="1" smtClean="0">
                 <a:solidFill>
                   <a:schemeClr val="tx1"/>
                 </a:solidFill>
@@ -4241,7 +4230,7 @@
               <a:t>threadmgr</a:t>
             </a:r>
             <a:r>
-              <a:rPr kumimoji="1" lang="en-US" altLang="ja-JP" dirty="0" smtClean="0">
+              <a:rPr kumimoji="1" lang="en-US" altLang="ja-JP" sz="1400" dirty="0" smtClean="0">
                 <a:solidFill>
                   <a:schemeClr val="tx1"/>
                 </a:solidFill>
@@ -4249,7 +4238,7 @@
               <a:t> (thread </a:t>
             </a:r>
             <a:r>
-              <a:rPr lang="en-US" altLang="ja-JP" dirty="0" smtClean="0">
+              <a:rPr lang="en-US" altLang="ja-JP" sz="1400" dirty="0" smtClean="0">
                 <a:solidFill>
                   <a:schemeClr val="tx1"/>
                 </a:solidFill>
@@ -4257,14 +4246,14 @@
               <a:t>manager </a:t>
             </a:r>
             <a:r>
-              <a:rPr kumimoji="1" lang="en-US" altLang="ja-JP" dirty="0" smtClean="0">
+              <a:rPr kumimoji="1" lang="en-US" altLang="ja-JP" sz="1400" dirty="0" smtClean="0">
                 <a:solidFill>
                   <a:schemeClr val="tx1"/>
                 </a:solidFill>
               </a:rPr>
               <a:t>framework)</a:t>
             </a:r>
-            <a:endParaRPr kumimoji="1" lang="ja-JP" altLang="en-US" dirty="0">
+            <a:endParaRPr kumimoji="1" lang="ja-JP" altLang="en-US" sz="1400" dirty="0">
               <a:solidFill>
                 <a:schemeClr val="tx1"/>
               </a:solidFill>
@@ -4281,15 +4270,13 @@
         <p:spPr>
           <a:xfrm>
             <a:off x="1733138" y="4466456"/>
-            <a:ext cx="4009190" cy="208531"/>
+            <a:ext cx="4009190" cy="278809"/>
           </a:xfrm>
           <a:prstGeom prst="rect">
             <a:avLst/>
           </a:prstGeom>
           <a:solidFill>
-            <a:schemeClr val="bg2">
-              <a:lumMod val="90000"/>
-            </a:schemeClr>
+            <a:schemeClr val="bg1"/>
           </a:solidFill>
           <a:effectLst>
             <a:outerShdw blurRad="50800" dist="38100" dir="2700000" algn="tl" rotWithShape="0">
@@ -4352,48 +4339,6 @@
           </a:p>
         </p:txBody>
       </p:sp>
-      <p:cxnSp>
-        <p:nvCxnSpPr>
-          <p:cNvPr id="8" name="カギ線コネクタ 7"/>
-          <p:cNvCxnSpPr>
-            <a:stCxn id="96" idx="1"/>
-            <a:endCxn id="109" idx="1"/>
-          </p:cNvCxnSpPr>
-          <p:nvPr/>
-        </p:nvCxnSpPr>
-        <p:spPr>
-          <a:xfrm rot="10800000" flipH="1">
-            <a:off x="1115615" y="5032017"/>
-            <a:ext cx="729449" cy="1025696"/>
-          </a:xfrm>
-          <a:prstGeom prst="bentConnector3">
-            <a:avLst>
-              <a:gd name="adj1" fmla="val -43874"/>
-            </a:avLst>
-          </a:prstGeom>
-          <a:ln w="28575">
-            <a:solidFill>
-              <a:srgbClr val="FF0000"/>
-            </a:solidFill>
-            <a:prstDash val="sysDot"/>
-            <a:tailEnd type="triangle"/>
-          </a:ln>
-        </p:spPr>
-        <p:style>
-          <a:lnRef idx="1">
-            <a:schemeClr val="accent1"/>
-          </a:lnRef>
-          <a:fillRef idx="0">
-            <a:schemeClr val="accent1"/>
-          </a:fillRef>
-          <a:effectRef idx="0">
-            <a:schemeClr val="accent1"/>
-          </a:effectRef>
-          <a:fontRef idx="minor">
-            <a:schemeClr val="tx1"/>
-          </a:fontRef>
-        </p:style>
-      </p:cxnSp>
       <p:sp>
         <p:nvSpPr>
           <p:cNvPr id="103" name="正方形/長方形 102"/>
@@ -4402,8 +4347,8 @@
         </p:nvSpPr>
         <p:spPr>
           <a:xfrm>
-            <a:off x="3566697" y="2671935"/>
-            <a:ext cx="3071564" cy="495238"/>
+            <a:off x="3129176" y="2287533"/>
+            <a:ext cx="2720719" cy="294559"/>
           </a:xfrm>
           <a:prstGeom prst="rect">
             <a:avLst/>
@@ -4449,14 +4394,14 @@
           <a:p>
             <a:pPr algn="ctr"/>
             <a:r>
-              <a:rPr kumimoji="1" lang="en-US" altLang="ja-JP" dirty="0" err="1" smtClean="0">
+              <a:rPr kumimoji="1" lang="en-US" altLang="ja-JP" sz="1400" dirty="0" smtClean="0">
                 <a:solidFill>
                   <a:schemeClr val="tx1"/>
                 </a:solidFill>
               </a:rPr>
-              <a:t>RecManager</a:t>
-            </a:r>
-            <a:endParaRPr kumimoji="1" lang="ja-JP" altLang="en-US" dirty="0">
+              <a:t>Rec Manager</a:t>
+            </a:r>
+            <a:endParaRPr kumimoji="1" lang="ja-JP" altLang="en-US" sz="1400" dirty="0">
               <a:solidFill>
                 <a:schemeClr val="tx1"/>
               </a:solidFill>
@@ -4466,14 +4411,14 @@
       </p:sp>
       <p:sp>
         <p:nvSpPr>
-          <p:cNvPr id="106" name="正方形/長方形 105"/>
+          <p:cNvPr id="108" name="正方形/長方形 107"/>
           <p:cNvSpPr/>
           <p:nvPr/>
         </p:nvSpPr>
         <p:spPr>
           <a:xfrm>
-            <a:off x="4670850" y="1769460"/>
-            <a:ext cx="2086656" cy="680407"/>
+            <a:off x="1185069" y="5229200"/>
+            <a:ext cx="4683075" cy="407993"/>
           </a:xfrm>
           <a:prstGeom prst="rect">
             <a:avLst/>
@@ -4519,30 +4464,136 @@
           <a:p>
             <a:pPr algn="ctr"/>
             <a:r>
-              <a:rPr kumimoji="1" lang="en-US" altLang="ja-JP" dirty="0" err="1" smtClean="0">
+              <a:rPr kumimoji="1" lang="en-US" altLang="ja-JP" sz="1400" dirty="0" smtClean="0">
                 <a:solidFill>
                   <a:schemeClr val="tx1"/>
                 </a:solidFill>
               </a:rPr>
-              <a:t>EventSchedule</a:t>
-            </a:r>
-            <a:endParaRPr lang="en-US" altLang="ja-JP" dirty="0">
+              <a:t>Tuner Control</a:t>
+            </a:r>
+            <a:endParaRPr kumimoji="1" lang="ja-JP" altLang="en-US" sz="1400" dirty="0">
               <a:solidFill>
                 <a:schemeClr val="tx1"/>
               </a:solidFill>
             </a:endParaRPr>
           </a:p>
+        </p:txBody>
+      </p:sp>
+      <p:cxnSp>
+        <p:nvCxnSpPr>
+          <p:cNvPr id="133" name="直線矢印コネクタ 132"/>
+          <p:cNvCxnSpPr/>
+          <p:nvPr/>
+        </p:nvCxnSpPr>
+        <p:spPr>
+          <a:xfrm flipV="1">
+            <a:off x="3129176" y="3943957"/>
+            <a:ext cx="0" cy="534530"/>
+          </a:xfrm>
+          <a:prstGeom prst="straightConnector1">
+            <a:avLst/>
+          </a:prstGeom>
+          <a:ln w="57150">
+            <a:tailEnd type="triangle"/>
+          </a:ln>
+        </p:spPr>
+        <p:style>
+          <a:lnRef idx="1">
+            <a:schemeClr val="accent1"/>
+          </a:lnRef>
+          <a:fillRef idx="0">
+            <a:schemeClr val="accent1"/>
+          </a:fillRef>
+          <a:effectRef idx="0">
+            <a:schemeClr val="accent1"/>
+          </a:effectRef>
+          <a:fontRef idx="minor">
+            <a:schemeClr val="tx1"/>
+          </a:fontRef>
+        </p:style>
+      </p:cxnSp>
+      <p:cxnSp>
+        <p:nvCxnSpPr>
+          <p:cNvPr id="135" name="直線矢印コネクタ 134"/>
+          <p:cNvCxnSpPr/>
+          <p:nvPr/>
+        </p:nvCxnSpPr>
+        <p:spPr>
+          <a:xfrm flipV="1">
+            <a:off x="5292080" y="2582092"/>
+            <a:ext cx="0" cy="1884364"/>
+          </a:xfrm>
+          <a:prstGeom prst="straightConnector1">
+            <a:avLst/>
+          </a:prstGeom>
+          <a:ln w="57150">
+            <a:tailEnd type="triangle"/>
+          </a:ln>
+        </p:spPr>
+        <p:style>
+          <a:lnRef idx="1">
+            <a:schemeClr val="accent1"/>
+          </a:lnRef>
+          <a:fillRef idx="0">
+            <a:schemeClr val="accent1"/>
+          </a:fillRef>
+          <a:effectRef idx="0">
+            <a:schemeClr val="accent1"/>
+          </a:effectRef>
+          <a:fontRef idx="minor">
+            <a:schemeClr val="tx1"/>
+          </a:fontRef>
+        </p:style>
+      </p:cxnSp>
+      <p:sp>
+        <p:nvSpPr>
+          <p:cNvPr id="137" name="正方形/長方形 136"/>
+          <p:cNvSpPr/>
+          <p:nvPr/>
+        </p:nvSpPr>
+        <p:spPr>
+          <a:xfrm>
+            <a:off x="5198659" y="3495221"/>
+            <a:ext cx="413799" cy="211415"/>
+          </a:xfrm>
+          <a:prstGeom prst="rect">
+            <a:avLst/>
+          </a:prstGeom>
+          <a:noFill/>
+          <a:ln w="12700">
+            <a:noFill/>
+          </a:ln>
+        </p:spPr>
+        <p:style>
+          <a:lnRef idx="2">
+            <a:schemeClr val="accent1">
+              <a:shade val="50000"/>
+            </a:schemeClr>
+          </a:lnRef>
+          <a:fillRef idx="1">
+            <a:schemeClr val="accent1"/>
+          </a:fillRef>
+          <a:effectRef idx="0">
+            <a:schemeClr val="accent1"/>
+          </a:effectRef>
+          <a:fontRef idx="minor">
+            <a:schemeClr val="lt1"/>
+          </a:fontRef>
+        </p:style>
+        <p:txBody>
+          <a:bodyPr rtlCol="0" anchor="ctr"/>
+          <a:lstStyle/>
           <a:p>
             <a:pPr algn="ctr"/>
             <a:r>
-              <a:rPr kumimoji="1" lang="en-US" altLang="ja-JP" dirty="0" smtClean="0">
+              <a:rPr lang="en-US" altLang="ja-JP" dirty="0" err="1" smtClean="0">
                 <a:solidFill>
                   <a:schemeClr val="tx1"/>
                 </a:solidFill>
               </a:rPr>
-              <a:t>Manager</a:t>
-            </a:r>
-            <a:endParaRPr kumimoji="1" lang="ja-JP" altLang="en-US" dirty="0">
+              <a:t>ts</a:t>
+            </a:r>
+            <a:endParaRPr kumimoji="1" lang="en-US" altLang="ja-JP" dirty="0" smtClean="0">
               <a:solidFill>
                 <a:schemeClr val="tx1"/>
               </a:solidFill>
@@ -4552,14 +4603,190 @@
       </p:sp>
       <p:sp>
         <p:nvSpPr>
-          <p:cNvPr id="107" name="正方形/長方形 106"/>
+          <p:cNvPr id="138" name="正方形/長方形 137"/>
           <p:cNvSpPr/>
           <p:nvPr/>
         </p:nvSpPr>
         <p:spPr>
           <a:xfrm>
-            <a:off x="1733138" y="3369112"/>
-            <a:ext cx="2750175" cy="574845"/>
+            <a:off x="3059832" y="4145896"/>
+            <a:ext cx="413799" cy="211415"/>
+          </a:xfrm>
+          <a:prstGeom prst="rect">
+            <a:avLst/>
+          </a:prstGeom>
+          <a:noFill/>
+          <a:ln w="12700">
+            <a:noFill/>
+          </a:ln>
+        </p:spPr>
+        <p:style>
+          <a:lnRef idx="2">
+            <a:schemeClr val="accent1">
+              <a:shade val="50000"/>
+            </a:schemeClr>
+          </a:lnRef>
+          <a:fillRef idx="1">
+            <a:schemeClr val="accent1"/>
+          </a:fillRef>
+          <a:effectRef idx="0">
+            <a:schemeClr val="accent1"/>
+          </a:effectRef>
+          <a:fontRef idx="minor">
+            <a:schemeClr val="lt1"/>
+          </a:fontRef>
+        </p:style>
+        <p:txBody>
+          <a:bodyPr rtlCol="0" anchor="ctr"/>
+          <a:lstStyle/>
+          <a:p>
+            <a:pPr algn="ctr"/>
+            <a:r>
+              <a:rPr lang="en-US" altLang="ja-JP" dirty="0" err="1" smtClean="0">
+                <a:solidFill>
+                  <a:schemeClr val="tx1"/>
+                </a:solidFill>
+              </a:rPr>
+              <a:t>ts</a:t>
+            </a:r>
+            <a:endParaRPr kumimoji="1" lang="en-US" altLang="ja-JP" dirty="0" smtClean="0">
+              <a:solidFill>
+                <a:schemeClr val="tx1"/>
+              </a:solidFill>
+            </a:endParaRPr>
+          </a:p>
+        </p:txBody>
+      </p:sp>
+      <p:sp>
+        <p:nvSpPr>
+          <p:cNvPr id="141" name="正方形/長方形 140"/>
+          <p:cNvSpPr/>
+          <p:nvPr/>
+        </p:nvSpPr>
+        <p:spPr>
+          <a:xfrm>
+            <a:off x="3960090" y="2759827"/>
+            <a:ext cx="1157712" cy="253127"/>
+          </a:xfrm>
+          <a:prstGeom prst="rect">
+            <a:avLst/>
+          </a:prstGeom>
+          <a:solidFill>
+            <a:srgbClr val="92D050"/>
+          </a:solidFill>
+          <a:ln w="19050">
+            <a:solidFill>
+              <a:srgbClr val="00B050"/>
+            </a:solidFill>
+          </a:ln>
+        </p:spPr>
+        <p:style>
+          <a:lnRef idx="2">
+            <a:schemeClr val="accent1">
+              <a:shade val="50000"/>
+            </a:schemeClr>
+          </a:lnRef>
+          <a:fillRef idx="1">
+            <a:schemeClr val="accent1"/>
+          </a:fillRef>
+          <a:effectRef idx="0">
+            <a:schemeClr val="accent1"/>
+          </a:effectRef>
+          <a:fontRef idx="minor">
+            <a:schemeClr val="lt1"/>
+          </a:fontRef>
+        </p:style>
+        <p:txBody>
+          <a:bodyPr rtlCol="0" anchor="ctr"/>
+          <a:lstStyle/>
+          <a:p>
+            <a:pPr algn="ctr"/>
+            <a:r>
+              <a:rPr lang="en-US" altLang="ja-JP" sz="1400" dirty="0" smtClean="0">
+                <a:solidFill>
+                  <a:schemeClr val="tx1"/>
+                </a:solidFill>
+              </a:rPr>
+              <a:t>channel scan</a:t>
+            </a:r>
+            <a:endParaRPr kumimoji="1" lang="ja-JP" altLang="en-US" sz="1400" dirty="0">
+              <a:solidFill>
+                <a:schemeClr val="tx1"/>
+              </a:solidFill>
+            </a:endParaRPr>
+          </a:p>
+        </p:txBody>
+      </p:sp>
+      <p:sp>
+        <p:nvSpPr>
+          <p:cNvPr id="147" name="正方形/長方形 146"/>
+          <p:cNvSpPr/>
+          <p:nvPr/>
+        </p:nvSpPr>
+        <p:spPr>
+          <a:xfrm>
+            <a:off x="5082220" y="2109798"/>
+            <a:ext cx="1225780" cy="303768"/>
+          </a:xfrm>
+          <a:prstGeom prst="rect">
+            <a:avLst/>
+          </a:prstGeom>
+          <a:solidFill>
+            <a:srgbClr val="92D050"/>
+          </a:solidFill>
+          <a:ln w="19050">
+            <a:solidFill>
+              <a:srgbClr val="00B050"/>
+            </a:solidFill>
+          </a:ln>
+        </p:spPr>
+        <p:style>
+          <a:lnRef idx="2">
+            <a:schemeClr val="accent1">
+              <a:shade val="50000"/>
+            </a:schemeClr>
+          </a:lnRef>
+          <a:fillRef idx="1">
+            <a:schemeClr val="accent1"/>
+          </a:fillRef>
+          <a:effectRef idx="0">
+            <a:schemeClr val="accent1"/>
+          </a:effectRef>
+          <a:fontRef idx="minor">
+            <a:schemeClr val="lt1"/>
+          </a:fontRef>
+        </p:style>
+        <p:txBody>
+          <a:bodyPr rtlCol="0" anchor="ctr"/>
+          <a:lstStyle/>
+          <a:p>
+            <a:pPr algn="ctr"/>
+            <a:r>
+              <a:rPr lang="en-US" altLang="ja-JP" sz="1400" dirty="0" smtClean="0">
+                <a:solidFill>
+                  <a:schemeClr val="tx1"/>
+                </a:solidFill>
+              </a:rPr>
+              <a:t>Recording</a:t>
+            </a:r>
+            <a:endParaRPr kumimoji="1" lang="ja-JP" altLang="en-US" sz="1400" dirty="0">
+              <a:solidFill>
+                <a:schemeClr val="tx1"/>
+              </a:solidFill>
+            </a:endParaRPr>
+          </a:p>
+        </p:txBody>
+      </p:sp>
+      <p:sp>
+        <p:nvSpPr>
+          <p:cNvPr id="109" name="正方形/長方形 108"/>
+          <p:cNvSpPr/>
+          <p:nvPr/>
+        </p:nvSpPr>
+        <p:spPr>
+          <a:xfrm>
+            <a:off x="1845065" y="4930656"/>
+            <a:ext cx="3668382" cy="370552"/>
           </a:xfrm>
           <a:prstGeom prst="rect">
             <a:avLst/>
@@ -4605,14 +4832,14 @@
           <a:p>
             <a:pPr algn="ctr"/>
             <a:r>
-              <a:rPr kumimoji="1" lang="en-US" altLang="ja-JP" dirty="0" err="1" smtClean="0">
+              <a:rPr kumimoji="1" lang="en-US" altLang="ja-JP" sz="1400" dirty="0" smtClean="0">
                 <a:solidFill>
                   <a:schemeClr val="tx1"/>
                 </a:solidFill>
               </a:rPr>
-              <a:t>PsisiManager</a:t>
-            </a:r>
-            <a:endParaRPr kumimoji="1" lang="ja-JP" altLang="en-US" dirty="0">
+              <a:t>Tune Thread</a:t>
+            </a:r>
+            <a:endParaRPr kumimoji="1" lang="ja-JP" altLang="en-US" sz="1400" dirty="0">
               <a:solidFill>
                 <a:schemeClr val="tx1"/>
               </a:solidFill>
@@ -4622,36 +4849,22 @@
       </p:sp>
       <p:sp>
         <p:nvSpPr>
-          <p:cNvPr id="108" name="正方形/長方形 107"/>
+          <p:cNvPr id="101" name="正方形/長方形 100"/>
           <p:cNvSpPr/>
           <p:nvPr/>
         </p:nvSpPr>
         <p:spPr>
           <a:xfrm>
-            <a:off x="1185069" y="5229200"/>
-            <a:ext cx="4683075" cy="407993"/>
+            <a:off x="4798092" y="4581128"/>
+            <a:ext cx="1142060" cy="450889"/>
           </a:xfrm>
           <a:prstGeom prst="rect">
             <a:avLst/>
           </a:prstGeom>
           <a:solidFill>
-            <a:schemeClr val="accent6">
-              <a:lumMod val="60000"/>
-              <a:lumOff val="40000"/>
-            </a:schemeClr>
+            <a:schemeClr val="bg1"/>
           </a:solidFill>
-          <a:ln>
-            <a:solidFill>
-              <a:srgbClr val="FF0000"/>
-            </a:solidFill>
-          </a:ln>
-          <a:effectLst>
-            <a:outerShdw blurRad="50800" dist="38100" dir="2700000" algn="tl" rotWithShape="0">
-              <a:prstClr val="black">
-                <a:alpha val="40000"/>
-              </a:prstClr>
-            </a:outerShdw>
-          </a:effectLst>
+          <a:ln w="19050"/>
         </p:spPr>
         <p:style>
           <a:lnRef idx="2">
@@ -4675,14 +4888,25 @@
           <a:p>
             <a:pPr algn="ctr"/>
             <a:r>
-              <a:rPr kumimoji="1" lang="en-US" altLang="ja-JP" dirty="0" err="1" smtClean="0">
+              <a:rPr lang="en-US" altLang="ja-JP" sz="1400" dirty="0" smtClean="0">
                 <a:solidFill>
                   <a:schemeClr val="tx1"/>
                 </a:solidFill>
               </a:rPr>
-              <a:t>TunerControl</a:t>
-            </a:r>
-            <a:endParaRPr kumimoji="1" lang="ja-JP" altLang="en-US" dirty="0">
+              <a:t>it9175</a:t>
+            </a:r>
+          </a:p>
+          <a:p>
+            <a:pPr algn="ctr"/>
+            <a:r>
+              <a:rPr kumimoji="1" lang="en-US" altLang="ja-JP" sz="1400" dirty="0" smtClean="0">
+                <a:solidFill>
+                  <a:schemeClr val="tx1"/>
+                </a:solidFill>
+              </a:rPr>
+              <a:t>(recfsusb2i)</a:t>
+            </a:r>
+            <a:endParaRPr kumimoji="1" lang="ja-JP" altLang="en-US" sz="1400" dirty="0">
               <a:solidFill>
                 <a:schemeClr val="tx1"/>
               </a:solidFill>
@@ -4690,383 +4914,27 @@
           </a:p>
         </p:txBody>
       </p:sp>
-      <p:cxnSp>
-        <p:nvCxnSpPr>
-          <p:cNvPr id="111" name="カギ線コネクタ 110"/>
-          <p:cNvCxnSpPr>
-            <a:stCxn id="96" idx="1"/>
-            <a:endCxn id="108" idx="1"/>
-          </p:cNvCxnSpPr>
-          <p:nvPr/>
-        </p:nvCxnSpPr>
-        <p:spPr>
-          <a:xfrm rot="10800000" flipH="1">
-            <a:off x="1115615" y="5433197"/>
-            <a:ext cx="69453" cy="624516"/>
-          </a:xfrm>
-          <a:prstGeom prst="bentConnector3">
-            <a:avLst>
-              <a:gd name="adj1" fmla="val -460801"/>
-            </a:avLst>
-          </a:prstGeom>
-          <a:ln w="28575">
-            <a:solidFill>
-              <a:srgbClr val="FF0000"/>
-            </a:solidFill>
-            <a:prstDash val="sysDot"/>
-            <a:tailEnd type="triangle"/>
-          </a:ln>
-        </p:spPr>
-        <p:style>
-          <a:lnRef idx="1">
-            <a:schemeClr val="accent1"/>
-          </a:lnRef>
-          <a:fillRef idx="0">
-            <a:schemeClr val="accent1"/>
-          </a:fillRef>
-          <a:effectRef idx="0">
-            <a:schemeClr val="accent1"/>
-          </a:effectRef>
-          <a:fontRef idx="minor">
-            <a:schemeClr val="tx1"/>
-          </a:fontRef>
-        </p:style>
-      </p:cxnSp>
-      <p:cxnSp>
-        <p:nvCxnSpPr>
-          <p:cNvPr id="113" name="カギ線コネクタ 112"/>
-          <p:cNvCxnSpPr>
-            <a:stCxn id="96" idx="1"/>
-            <a:endCxn id="107" idx="1"/>
-          </p:cNvCxnSpPr>
-          <p:nvPr/>
-        </p:nvCxnSpPr>
-        <p:spPr>
-          <a:xfrm rot="10800000" flipH="1">
-            <a:off x="1115616" y="3656535"/>
-            <a:ext cx="617522" cy="2401178"/>
-          </a:xfrm>
-          <a:prstGeom prst="bentConnector3">
-            <a:avLst>
-              <a:gd name="adj1" fmla="val -51826"/>
-            </a:avLst>
-          </a:prstGeom>
-          <a:ln w="28575">
-            <a:solidFill>
-              <a:srgbClr val="FF0000"/>
-            </a:solidFill>
-            <a:prstDash val="sysDot"/>
-            <a:tailEnd type="triangle"/>
-          </a:ln>
-        </p:spPr>
-        <p:style>
-          <a:lnRef idx="1">
-            <a:schemeClr val="accent1"/>
-          </a:lnRef>
-          <a:fillRef idx="0">
-            <a:schemeClr val="accent1"/>
-          </a:fillRef>
-          <a:effectRef idx="0">
-            <a:schemeClr val="accent1"/>
-          </a:effectRef>
-          <a:fontRef idx="minor">
-            <a:schemeClr val="tx1"/>
-          </a:fontRef>
-        </p:style>
-      </p:cxnSp>
-      <p:cxnSp>
-        <p:nvCxnSpPr>
-          <p:cNvPr id="114" name="カギ線コネクタ 113"/>
-          <p:cNvCxnSpPr>
-            <a:stCxn id="96" idx="3"/>
-            <a:endCxn id="103" idx="3"/>
-          </p:cNvCxnSpPr>
-          <p:nvPr/>
-        </p:nvCxnSpPr>
-        <p:spPr>
-          <a:xfrm flipH="1" flipV="1">
-            <a:off x="6638261" y="2919554"/>
-            <a:ext cx="382011" cy="3138159"/>
-          </a:xfrm>
-          <a:prstGeom prst="bentConnector3">
-            <a:avLst>
-              <a:gd name="adj1" fmla="val -59841"/>
-            </a:avLst>
-          </a:prstGeom>
-          <a:ln w="28575">
-            <a:solidFill>
-              <a:srgbClr val="FF0000"/>
-            </a:solidFill>
-            <a:prstDash val="sysDot"/>
-            <a:tailEnd type="triangle"/>
-          </a:ln>
-        </p:spPr>
-        <p:style>
-          <a:lnRef idx="1">
-            <a:schemeClr val="accent1"/>
-          </a:lnRef>
-          <a:fillRef idx="0">
-            <a:schemeClr val="accent1"/>
-          </a:fillRef>
-          <a:effectRef idx="0">
-            <a:schemeClr val="accent1"/>
-          </a:effectRef>
-          <a:fontRef idx="minor">
-            <a:schemeClr val="tx1"/>
-          </a:fontRef>
-        </p:style>
-      </p:cxnSp>
-      <p:cxnSp>
-        <p:nvCxnSpPr>
-          <p:cNvPr id="115" name="カギ線コネクタ 114"/>
-          <p:cNvCxnSpPr>
-            <a:stCxn id="96" idx="3"/>
-            <a:endCxn id="106" idx="3"/>
-          </p:cNvCxnSpPr>
-          <p:nvPr/>
-        </p:nvCxnSpPr>
-        <p:spPr>
-          <a:xfrm flipH="1" flipV="1">
-            <a:off x="6757506" y="2109664"/>
-            <a:ext cx="262766" cy="3948049"/>
-          </a:xfrm>
-          <a:prstGeom prst="bentConnector3">
-            <a:avLst>
-              <a:gd name="adj1" fmla="val -86998"/>
-            </a:avLst>
-          </a:prstGeom>
-          <a:ln w="28575">
-            <a:solidFill>
-              <a:srgbClr val="FF0000"/>
-            </a:solidFill>
-            <a:prstDash val="sysDot"/>
-            <a:tailEnd type="triangle"/>
-          </a:ln>
-        </p:spPr>
-        <p:style>
-          <a:lnRef idx="1">
-            <a:schemeClr val="accent1"/>
-          </a:lnRef>
-          <a:fillRef idx="0">
-            <a:schemeClr val="accent1"/>
-          </a:fillRef>
-          <a:effectRef idx="0">
-            <a:schemeClr val="accent1"/>
-          </a:effectRef>
-          <a:fontRef idx="minor">
-            <a:schemeClr val="tx1"/>
-          </a:fontRef>
-        </p:style>
-      </p:cxnSp>
-      <p:cxnSp>
-        <p:nvCxnSpPr>
-          <p:cNvPr id="116" name="カギ線コネクタ 115"/>
-          <p:cNvCxnSpPr>
-            <a:stCxn id="96" idx="1"/>
-            <a:endCxn id="93" idx="1"/>
-          </p:cNvCxnSpPr>
-          <p:nvPr/>
-        </p:nvCxnSpPr>
-        <p:spPr>
-          <a:xfrm rot="10800000" flipH="1">
-            <a:off x="1115616" y="2353673"/>
-            <a:ext cx="150496" cy="3704040"/>
-          </a:xfrm>
-          <a:prstGeom prst="bentConnector3">
-            <a:avLst>
-              <a:gd name="adj1" fmla="val -212657"/>
-            </a:avLst>
-          </a:prstGeom>
-          <a:ln w="28575">
-            <a:solidFill>
-              <a:srgbClr val="FF0000"/>
-            </a:solidFill>
-            <a:prstDash val="sysDot"/>
-            <a:tailEnd type="triangle"/>
-          </a:ln>
-        </p:spPr>
-        <p:style>
-          <a:lnRef idx="1">
-            <a:schemeClr val="accent1"/>
-          </a:lnRef>
-          <a:fillRef idx="0">
-            <a:schemeClr val="accent1"/>
-          </a:fillRef>
-          <a:effectRef idx="0">
-            <a:schemeClr val="accent1"/>
-          </a:effectRef>
-          <a:fontRef idx="minor">
-            <a:schemeClr val="tx1"/>
-          </a:fontRef>
-        </p:style>
-      </p:cxnSp>
-      <p:cxnSp>
-        <p:nvCxnSpPr>
-          <p:cNvPr id="117" name="カギ線コネクタ 116"/>
-          <p:cNvCxnSpPr>
-            <a:stCxn id="96" idx="3"/>
-            <a:endCxn id="62" idx="3"/>
-          </p:cNvCxnSpPr>
-          <p:nvPr/>
-        </p:nvCxnSpPr>
-        <p:spPr>
-          <a:xfrm flipH="1" flipV="1">
-            <a:off x="6520425" y="1231809"/>
-            <a:ext cx="499847" cy="4825904"/>
-          </a:xfrm>
-          <a:prstGeom prst="bentConnector3">
-            <a:avLst>
-              <a:gd name="adj1" fmla="val -45734"/>
-            </a:avLst>
-          </a:prstGeom>
-          <a:ln w="28575">
-            <a:solidFill>
-              <a:srgbClr val="FF0000"/>
-            </a:solidFill>
-            <a:prstDash val="sysDot"/>
-            <a:tailEnd type="triangle"/>
-          </a:ln>
-        </p:spPr>
-        <p:style>
-          <a:lnRef idx="1">
-            <a:schemeClr val="accent1"/>
-          </a:lnRef>
-          <a:fillRef idx="0">
-            <a:schemeClr val="accent1"/>
-          </a:fillRef>
-          <a:effectRef idx="0">
-            <a:schemeClr val="accent1"/>
-          </a:effectRef>
-          <a:fontRef idx="minor">
-            <a:schemeClr val="tx1"/>
-          </a:fontRef>
-        </p:style>
-      </p:cxnSp>
-      <p:cxnSp>
-        <p:nvCxnSpPr>
-          <p:cNvPr id="118" name="カギ線コネクタ 117"/>
-          <p:cNvCxnSpPr>
-            <a:stCxn id="96" idx="1"/>
-            <a:endCxn id="94" idx="1"/>
-          </p:cNvCxnSpPr>
-          <p:nvPr/>
-        </p:nvCxnSpPr>
-        <p:spPr>
-          <a:xfrm rot="10800000">
-            <a:off x="1024250" y="1231809"/>
-            <a:ext cx="91367" cy="4825904"/>
-          </a:xfrm>
-          <a:prstGeom prst="bentConnector3">
-            <a:avLst>
-              <a:gd name="adj1" fmla="val 350200"/>
-            </a:avLst>
-          </a:prstGeom>
-          <a:ln w="28575">
-            <a:solidFill>
-              <a:srgbClr val="FF0000"/>
-            </a:solidFill>
-            <a:prstDash val="sysDot"/>
-            <a:tailEnd type="triangle"/>
-          </a:ln>
-        </p:spPr>
-        <p:style>
-          <a:lnRef idx="1">
-            <a:schemeClr val="accent1"/>
-          </a:lnRef>
-          <a:fillRef idx="0">
-            <a:schemeClr val="accent1"/>
-          </a:fillRef>
-          <a:effectRef idx="0">
-            <a:schemeClr val="accent1"/>
-          </a:effectRef>
-          <a:fontRef idx="minor">
-            <a:schemeClr val="tx1"/>
-          </a:fontRef>
-        </p:style>
-      </p:cxnSp>
-      <p:cxnSp>
-        <p:nvCxnSpPr>
-          <p:cNvPr id="133" name="直線矢印コネクタ 132"/>
-          <p:cNvCxnSpPr/>
-          <p:nvPr/>
-        </p:nvCxnSpPr>
-        <p:spPr>
-          <a:xfrm flipV="1">
-            <a:off x="2267744" y="3943957"/>
-            <a:ext cx="0" cy="534530"/>
-          </a:xfrm>
-          <a:prstGeom prst="straightConnector1">
-            <a:avLst/>
-          </a:prstGeom>
-          <a:ln w="57150">
-            <a:tailEnd type="triangle"/>
-          </a:ln>
-        </p:spPr>
-        <p:style>
-          <a:lnRef idx="1">
-            <a:schemeClr val="accent1"/>
-          </a:lnRef>
-          <a:fillRef idx="0">
-            <a:schemeClr val="accent1"/>
-          </a:fillRef>
-          <a:effectRef idx="0">
-            <a:schemeClr val="accent1"/>
-          </a:effectRef>
-          <a:fontRef idx="minor">
-            <a:schemeClr val="tx1"/>
-          </a:fontRef>
-        </p:style>
-      </p:cxnSp>
-      <p:cxnSp>
-        <p:nvCxnSpPr>
-          <p:cNvPr id="135" name="直線矢印コネクタ 134"/>
-          <p:cNvCxnSpPr/>
-          <p:nvPr/>
-        </p:nvCxnSpPr>
-        <p:spPr>
-          <a:xfrm flipV="1">
-            <a:off x="5076056" y="3167173"/>
-            <a:ext cx="0" cy="1311314"/>
-          </a:xfrm>
-          <a:prstGeom prst="straightConnector1">
-            <a:avLst/>
-          </a:prstGeom>
-          <a:ln w="57150">
-            <a:tailEnd type="triangle"/>
-          </a:ln>
-        </p:spPr>
-        <p:style>
-          <a:lnRef idx="1">
-            <a:schemeClr val="accent1"/>
-          </a:lnRef>
-          <a:fillRef idx="0">
-            <a:schemeClr val="accent1"/>
-          </a:fillRef>
-          <a:effectRef idx="0">
-            <a:schemeClr val="accent1"/>
-          </a:effectRef>
-          <a:fontRef idx="minor">
-            <a:schemeClr val="tx1"/>
-          </a:fontRef>
-        </p:style>
-      </p:cxnSp>
-      <p:sp>
-        <p:nvSpPr>
-          <p:cNvPr id="137" name="正方形/長方形 136"/>
+      <p:sp>
+        <p:nvSpPr>
+          <p:cNvPr id="153" name="正方形/長方形 152"/>
           <p:cNvSpPr/>
           <p:nvPr/>
         </p:nvSpPr>
         <p:spPr>
           <a:xfrm>
-            <a:off x="5015179" y="3637408"/>
-            <a:ext cx="413799" cy="211415"/>
+            <a:off x="5457402" y="2452126"/>
+            <a:ext cx="915283" cy="316774"/>
           </a:xfrm>
           <a:prstGeom prst="rect">
             <a:avLst/>
           </a:prstGeom>
-          <a:noFill/>
-          <a:ln w="12700">
-            <a:noFill/>
+          <a:solidFill>
+            <a:schemeClr val="accent1"/>
+          </a:solidFill>
+          <a:ln w="19050">
+            <a:solidFill>
+              <a:schemeClr val="tx2"/>
+            </a:solidFill>
           </a:ln>
         </p:spPr>
         <p:style>
@@ -5091,452 +4959,6 @@
           <a:p>
             <a:pPr algn="ctr"/>
             <a:r>
-              <a:rPr lang="en-US" altLang="ja-JP" dirty="0" err="1" smtClean="0">
-                <a:solidFill>
-                  <a:schemeClr val="tx1"/>
-                </a:solidFill>
-              </a:rPr>
-              <a:t>ts</a:t>
-            </a:r>
-            <a:endParaRPr kumimoji="1" lang="en-US" altLang="ja-JP" dirty="0" smtClean="0">
-              <a:solidFill>
-                <a:schemeClr val="tx1"/>
-              </a:solidFill>
-            </a:endParaRPr>
-          </a:p>
-        </p:txBody>
-      </p:sp>
-      <p:sp>
-        <p:nvSpPr>
-          <p:cNvPr id="138" name="正方形/長方形 137"/>
-          <p:cNvSpPr/>
-          <p:nvPr/>
-        </p:nvSpPr>
-        <p:spPr>
-          <a:xfrm>
-            <a:off x="2198400" y="4145896"/>
-            <a:ext cx="413799" cy="211415"/>
-          </a:xfrm>
-          <a:prstGeom prst="rect">
-            <a:avLst/>
-          </a:prstGeom>
-          <a:noFill/>
-          <a:ln w="12700">
-            <a:noFill/>
-          </a:ln>
-        </p:spPr>
-        <p:style>
-          <a:lnRef idx="2">
-            <a:schemeClr val="accent1">
-              <a:shade val="50000"/>
-            </a:schemeClr>
-          </a:lnRef>
-          <a:fillRef idx="1">
-            <a:schemeClr val="accent1"/>
-          </a:fillRef>
-          <a:effectRef idx="0">
-            <a:schemeClr val="accent1"/>
-          </a:effectRef>
-          <a:fontRef idx="minor">
-            <a:schemeClr val="lt1"/>
-          </a:fontRef>
-        </p:style>
-        <p:txBody>
-          <a:bodyPr rtlCol="0" anchor="ctr"/>
-          <a:lstStyle/>
-          <a:p>
-            <a:pPr algn="ctr"/>
-            <a:r>
-              <a:rPr lang="en-US" altLang="ja-JP" dirty="0" err="1" smtClean="0">
-                <a:solidFill>
-                  <a:schemeClr val="tx1"/>
-                </a:solidFill>
-              </a:rPr>
-              <a:t>ts</a:t>
-            </a:r>
-            <a:endParaRPr kumimoji="1" lang="en-US" altLang="ja-JP" dirty="0" smtClean="0">
-              <a:solidFill>
-                <a:schemeClr val="tx1"/>
-              </a:solidFill>
-            </a:endParaRPr>
-          </a:p>
-        </p:txBody>
-      </p:sp>
-      <p:sp>
-        <p:nvSpPr>
-          <p:cNvPr id="140" name="正方形/長方形 139"/>
-          <p:cNvSpPr/>
-          <p:nvPr/>
-        </p:nvSpPr>
-        <p:spPr>
-          <a:xfrm>
-            <a:off x="6217446" y="1561483"/>
-            <a:ext cx="742051" cy="297276"/>
-          </a:xfrm>
-          <a:prstGeom prst="rect">
-            <a:avLst/>
-          </a:prstGeom>
-          <a:solidFill>
-            <a:srgbClr val="92D050"/>
-          </a:solidFill>
-          <a:ln w="19050">
-            <a:solidFill>
-              <a:srgbClr val="00B050"/>
-            </a:solidFill>
-          </a:ln>
-        </p:spPr>
-        <p:style>
-          <a:lnRef idx="2">
-            <a:schemeClr val="accent1">
-              <a:shade val="50000"/>
-            </a:schemeClr>
-          </a:lnRef>
-          <a:fillRef idx="1">
-            <a:schemeClr val="accent1"/>
-          </a:fillRef>
-          <a:effectRef idx="0">
-            <a:schemeClr val="accent1"/>
-          </a:effectRef>
-          <a:fontRef idx="minor">
-            <a:schemeClr val="lt1"/>
-          </a:fontRef>
-        </p:style>
-        <p:txBody>
-          <a:bodyPr rtlCol="0" anchor="ctr"/>
-          <a:lstStyle/>
-          <a:p>
-            <a:pPr algn="ctr"/>
-            <a:r>
-              <a:rPr lang="en-US" altLang="ja-JP" sz="1400" dirty="0" smtClean="0">
-                <a:solidFill>
-                  <a:schemeClr val="tx1"/>
-                </a:solidFill>
-              </a:rPr>
-              <a:t>EPG</a:t>
-            </a:r>
-            <a:endParaRPr kumimoji="1" lang="ja-JP" altLang="en-US" sz="1400" dirty="0">
-              <a:solidFill>
-                <a:schemeClr val="tx1"/>
-              </a:solidFill>
-            </a:endParaRPr>
-          </a:p>
-        </p:txBody>
-      </p:sp>
-      <p:sp>
-        <p:nvSpPr>
-          <p:cNvPr id="141" name="正方形/長方形 140"/>
-          <p:cNvSpPr/>
-          <p:nvPr/>
-        </p:nvSpPr>
-        <p:spPr>
-          <a:xfrm>
-            <a:off x="2638041" y="1935741"/>
-            <a:ext cx="946199" cy="417932"/>
-          </a:xfrm>
-          <a:prstGeom prst="rect">
-            <a:avLst/>
-          </a:prstGeom>
-          <a:solidFill>
-            <a:srgbClr val="92D050"/>
-          </a:solidFill>
-          <a:ln w="19050">
-            <a:solidFill>
-              <a:srgbClr val="00B050"/>
-            </a:solidFill>
-          </a:ln>
-        </p:spPr>
-        <p:style>
-          <a:lnRef idx="2">
-            <a:schemeClr val="accent1">
-              <a:shade val="50000"/>
-            </a:schemeClr>
-          </a:lnRef>
-          <a:fillRef idx="1">
-            <a:schemeClr val="accent1"/>
-          </a:fillRef>
-          <a:effectRef idx="0">
-            <a:schemeClr val="accent1"/>
-          </a:effectRef>
-          <a:fontRef idx="minor">
-            <a:schemeClr val="lt1"/>
-          </a:fontRef>
-        </p:style>
-        <p:txBody>
-          <a:bodyPr rtlCol="0" anchor="ctr"/>
-          <a:lstStyle/>
-          <a:p>
-            <a:pPr algn="ctr"/>
-            <a:r>
-              <a:rPr lang="en-US" altLang="ja-JP" sz="1400" dirty="0" smtClean="0">
-                <a:solidFill>
-                  <a:schemeClr val="tx1"/>
-                </a:solidFill>
-              </a:rPr>
-              <a:t>channel</a:t>
-            </a:r>
-          </a:p>
-          <a:p>
-            <a:pPr algn="ctr"/>
-            <a:r>
-              <a:rPr lang="en-US" altLang="ja-JP" sz="1400" dirty="0" smtClean="0">
-                <a:solidFill>
-                  <a:schemeClr val="tx1"/>
-                </a:solidFill>
-              </a:rPr>
-              <a:t>scan</a:t>
-            </a:r>
-            <a:endParaRPr kumimoji="1" lang="ja-JP" altLang="en-US" sz="1400" dirty="0">
-              <a:solidFill>
-                <a:schemeClr val="tx1"/>
-              </a:solidFill>
-            </a:endParaRPr>
-          </a:p>
-        </p:txBody>
-      </p:sp>
-      <p:sp>
-        <p:nvSpPr>
-          <p:cNvPr id="147" name="正方形/長方形 146"/>
-          <p:cNvSpPr/>
-          <p:nvPr/>
-        </p:nvSpPr>
-        <p:spPr>
-          <a:xfrm>
-            <a:off x="5484490" y="2564904"/>
-            <a:ext cx="1225780" cy="225432"/>
-          </a:xfrm>
-          <a:prstGeom prst="rect">
-            <a:avLst/>
-          </a:prstGeom>
-          <a:solidFill>
-            <a:srgbClr val="92D050"/>
-          </a:solidFill>
-          <a:ln w="19050">
-            <a:solidFill>
-              <a:srgbClr val="00B050"/>
-            </a:solidFill>
-          </a:ln>
-        </p:spPr>
-        <p:style>
-          <a:lnRef idx="2">
-            <a:schemeClr val="accent1">
-              <a:shade val="50000"/>
-            </a:schemeClr>
-          </a:lnRef>
-          <a:fillRef idx="1">
-            <a:schemeClr val="accent1"/>
-          </a:fillRef>
-          <a:effectRef idx="0">
-            <a:schemeClr val="accent1"/>
-          </a:effectRef>
-          <a:fontRef idx="minor">
-            <a:schemeClr val="lt1"/>
-          </a:fontRef>
-        </p:style>
-        <p:txBody>
-          <a:bodyPr rtlCol="0" anchor="ctr"/>
-          <a:lstStyle/>
-          <a:p>
-            <a:pPr algn="ctr"/>
-            <a:r>
-              <a:rPr lang="en-US" altLang="ja-JP" sz="1400" dirty="0" smtClean="0">
-                <a:solidFill>
-                  <a:schemeClr val="tx1"/>
-                </a:solidFill>
-              </a:rPr>
-              <a:t>Recording</a:t>
-            </a:r>
-            <a:endParaRPr kumimoji="1" lang="ja-JP" altLang="en-US" sz="1400" dirty="0">
-              <a:solidFill>
-                <a:schemeClr val="tx1"/>
-              </a:solidFill>
-            </a:endParaRPr>
-          </a:p>
-        </p:txBody>
-      </p:sp>
-      <p:sp>
-        <p:nvSpPr>
-          <p:cNvPr id="109" name="正方形/長方形 108"/>
-          <p:cNvSpPr/>
-          <p:nvPr/>
-        </p:nvSpPr>
-        <p:spPr>
-          <a:xfrm>
-            <a:off x="1845065" y="4796163"/>
-            <a:ext cx="3668382" cy="471707"/>
-          </a:xfrm>
-          <a:prstGeom prst="rect">
-            <a:avLst/>
-          </a:prstGeom>
-          <a:solidFill>
-            <a:schemeClr val="accent6">
-              <a:lumMod val="60000"/>
-              <a:lumOff val="40000"/>
-            </a:schemeClr>
-          </a:solidFill>
-          <a:ln>
-            <a:solidFill>
-              <a:srgbClr val="FF0000"/>
-            </a:solidFill>
-          </a:ln>
-          <a:effectLst>
-            <a:outerShdw blurRad="50800" dist="38100" dir="2700000" algn="tl" rotWithShape="0">
-              <a:prstClr val="black">
-                <a:alpha val="40000"/>
-              </a:prstClr>
-            </a:outerShdw>
-          </a:effectLst>
-        </p:spPr>
-        <p:style>
-          <a:lnRef idx="2">
-            <a:schemeClr val="accent1">
-              <a:shade val="50000"/>
-            </a:schemeClr>
-          </a:lnRef>
-          <a:fillRef idx="1">
-            <a:schemeClr val="accent1"/>
-          </a:fillRef>
-          <a:effectRef idx="0">
-            <a:schemeClr val="accent1"/>
-          </a:effectRef>
-          <a:fontRef idx="minor">
-            <a:schemeClr val="lt1"/>
-          </a:fontRef>
-        </p:style>
-        <p:txBody>
-          <a:bodyPr rtlCol="0" anchor="ctr"/>
-          <a:lstStyle/>
-          <a:p>
-            <a:pPr algn="ctr"/>
-            <a:r>
-              <a:rPr kumimoji="1" lang="en-US" altLang="ja-JP" sz="1600" dirty="0" err="1" smtClean="0">
-                <a:solidFill>
-                  <a:schemeClr val="tx1"/>
-                </a:solidFill>
-              </a:rPr>
-              <a:t>TuneThread</a:t>
-            </a:r>
-            <a:endParaRPr kumimoji="1" lang="ja-JP" altLang="en-US" sz="1600" dirty="0">
-              <a:solidFill>
-                <a:schemeClr val="tx1"/>
-              </a:solidFill>
-            </a:endParaRPr>
-          </a:p>
-        </p:txBody>
-      </p:sp>
-      <p:sp>
-        <p:nvSpPr>
-          <p:cNvPr id="101" name="正方形/長方形 100"/>
-          <p:cNvSpPr/>
-          <p:nvPr/>
-        </p:nvSpPr>
-        <p:spPr>
-          <a:xfrm>
-            <a:off x="4726084" y="4570718"/>
-            <a:ext cx="1142060" cy="450889"/>
-          </a:xfrm>
-          <a:prstGeom prst="rect">
-            <a:avLst/>
-          </a:prstGeom>
-          <a:solidFill>
-            <a:schemeClr val="bg2">
-              <a:lumMod val="90000"/>
-            </a:schemeClr>
-          </a:solidFill>
-          <a:ln w="19050"/>
-        </p:spPr>
-        <p:style>
-          <a:lnRef idx="2">
-            <a:schemeClr val="accent1">
-              <a:shade val="50000"/>
-            </a:schemeClr>
-          </a:lnRef>
-          <a:fillRef idx="1">
-            <a:schemeClr val="accent1"/>
-          </a:fillRef>
-          <a:effectRef idx="0">
-            <a:schemeClr val="accent1"/>
-          </a:effectRef>
-          <a:fontRef idx="minor">
-            <a:schemeClr val="lt1"/>
-          </a:fontRef>
-        </p:style>
-        <p:txBody>
-          <a:bodyPr rtlCol="0" anchor="ctr"/>
-          <a:lstStyle/>
-          <a:p>
-            <a:pPr algn="ctr"/>
-            <a:r>
-              <a:rPr lang="en-US" altLang="ja-JP" sz="1400" dirty="0" smtClean="0">
-                <a:solidFill>
-                  <a:schemeClr val="tx1"/>
-                </a:solidFill>
-              </a:rPr>
-              <a:t>it9175</a:t>
-            </a:r>
-          </a:p>
-          <a:p>
-            <a:pPr algn="ctr"/>
-            <a:r>
-              <a:rPr kumimoji="1" lang="en-US" altLang="ja-JP" sz="1400" dirty="0" smtClean="0">
-                <a:solidFill>
-                  <a:schemeClr val="tx1"/>
-                </a:solidFill>
-              </a:rPr>
-              <a:t>(recfsusb2i)</a:t>
-            </a:r>
-            <a:endParaRPr kumimoji="1" lang="ja-JP" altLang="en-US" sz="1400" dirty="0">
-              <a:solidFill>
-                <a:schemeClr val="tx1"/>
-              </a:solidFill>
-            </a:endParaRPr>
-          </a:p>
-        </p:txBody>
-      </p:sp>
-      <p:sp>
-        <p:nvSpPr>
-          <p:cNvPr id="153" name="正方形/長方形 152"/>
-          <p:cNvSpPr/>
-          <p:nvPr/>
-        </p:nvSpPr>
-        <p:spPr>
-          <a:xfrm>
-            <a:off x="5869227" y="3012954"/>
-            <a:ext cx="915283" cy="316774"/>
-          </a:xfrm>
-          <a:prstGeom prst="rect">
-            <a:avLst/>
-          </a:prstGeom>
-          <a:solidFill>
-            <a:schemeClr val="accent1"/>
-          </a:solidFill>
-          <a:ln w="19050">
-            <a:solidFill>
-              <a:schemeClr val="tx2"/>
-            </a:solidFill>
-          </a:ln>
-        </p:spPr>
-        <p:style>
-          <a:lnRef idx="2">
-            <a:schemeClr val="accent1">
-              <a:shade val="50000"/>
-            </a:schemeClr>
-          </a:lnRef>
-          <a:fillRef idx="1">
-            <a:schemeClr val="accent1"/>
-          </a:fillRef>
-          <a:effectRef idx="0">
-            <a:schemeClr val="accent1"/>
-          </a:effectRef>
-          <a:fontRef idx="minor">
-            <a:schemeClr val="lt1"/>
-          </a:fontRef>
-        </p:style>
-        <p:txBody>
-          <a:bodyPr rtlCol="0" anchor="ctr"/>
-          <a:lstStyle/>
-          <a:p>
-            <a:pPr algn="ctr"/>
-            <a:r>
               <a:rPr lang="en-US" altLang="ja-JP" sz="1400" dirty="0" smtClean="0">
                 <a:solidFill>
                   <a:schemeClr val="bg1"/>
@@ -5560,7 +4982,7 @@
         </p:nvCxnSpPr>
         <p:spPr>
           <a:xfrm>
-            <a:off x="5742328" y="1401911"/>
+            <a:off x="3635896" y="1401911"/>
             <a:ext cx="0" cy="367549"/>
           </a:xfrm>
           <a:prstGeom prst="straightConnector1">
@@ -5597,8 +5019,8 @@
         </p:nvCxnSpPr>
         <p:spPr>
           <a:xfrm>
-            <a:off x="4483313" y="1401911"/>
-            <a:ext cx="0" cy="1291965"/>
+            <a:off x="4716016" y="1401911"/>
+            <a:ext cx="0" cy="885622"/>
           </a:xfrm>
           <a:prstGeom prst="straightConnector1">
             <a:avLst/>
@@ -5634,8 +5056,8 @@
         </p:nvCxnSpPr>
         <p:spPr>
           <a:xfrm>
-            <a:off x="1845065" y="2671935"/>
-            <a:ext cx="0" cy="697177"/>
+            <a:off x="1845065" y="3217559"/>
+            <a:ext cx="0" cy="364085"/>
           </a:xfrm>
           <a:prstGeom prst="straightConnector1">
             <a:avLst/>
@@ -5671,8 +5093,8 @@
         </p:nvCxnSpPr>
         <p:spPr>
           <a:xfrm>
-            <a:off x="1547664" y="2693876"/>
-            <a:ext cx="0" cy="2535324"/>
+            <a:off x="1547664" y="3217559"/>
+            <a:ext cx="0" cy="2011641"/>
           </a:xfrm>
           <a:prstGeom prst="straightConnector1">
             <a:avLst/>
@@ -5772,13 +5194,15 @@
         </p:nvSpPr>
         <p:spPr>
           <a:xfrm>
-            <a:off x="3045543" y="465047"/>
+            <a:off x="3026167" y="372675"/>
             <a:ext cx="1267426" cy="248351"/>
           </a:xfrm>
           <a:prstGeom prst="rect">
             <a:avLst/>
           </a:prstGeom>
-          <a:noFill/>
+          <a:solidFill>
+            <a:srgbClr val="FFFF00"/>
+          </a:solidFill>
           <a:ln w="12700">
             <a:solidFill>
               <a:schemeClr val="tx1"/>
@@ -5826,18 +5250,20 @@
         <p:nvCxnSpPr>
           <p:cNvPr id="173" name="カギ線コネクタ 172"/>
           <p:cNvCxnSpPr>
-            <a:stCxn id="171" idx="1"/>
+            <a:stCxn id="171" idx="2"/>
             <a:endCxn id="94" idx="0"/>
           </p:cNvCxnSpPr>
           <p:nvPr/>
         </p:nvCxnSpPr>
         <p:spPr>
-          <a:xfrm rot="10800000" flipV="1">
-            <a:off x="2165269" y="589223"/>
-            <a:ext cx="880274" cy="449914"/>
-          </a:xfrm>
-          <a:prstGeom prst="bentConnector2">
-            <a:avLst/>
+          <a:xfrm rot="5400000">
+            <a:off x="2420663" y="-135625"/>
+            <a:ext cx="482567" cy="1995868"/>
+          </a:xfrm>
+          <a:prstGeom prst="bentConnector3">
+            <a:avLst>
+              <a:gd name="adj1" fmla="val 36465"/>
+            </a:avLst>
           </a:prstGeom>
           <a:ln>
             <a:solidFill>
@@ -5870,7 +5296,7 @@
         </p:nvSpPr>
         <p:spPr>
           <a:xfrm>
-            <a:off x="2184595" y="407778"/>
+            <a:off x="2184188" y="642239"/>
             <a:ext cx="860948" cy="194959"/>
           </a:xfrm>
           <a:prstGeom prst="rect">
@@ -5910,11 +5336,6 @@
               </a:rPr>
               <a:t>TCP/IP</a:t>
             </a:r>
-            <a:endParaRPr kumimoji="1" lang="en-US" altLang="ja-JP" sz="1400" dirty="0" smtClean="0">
-              <a:solidFill>
-                <a:schemeClr val="tx1"/>
-              </a:solidFill>
-            </a:endParaRPr>
           </a:p>
         </p:txBody>
       </p:sp>
@@ -5927,15 +5348,13 @@
         <p:spPr>
           <a:xfrm>
             <a:off x="7768718" y="4486324"/>
-            <a:ext cx="948889" cy="620528"/>
+            <a:ext cx="948889" cy="1030908"/>
           </a:xfrm>
           <a:prstGeom prst="rect">
             <a:avLst/>
           </a:prstGeom>
           <a:solidFill>
-            <a:schemeClr val="bg2">
-              <a:lumMod val="90000"/>
-            </a:schemeClr>
+            <a:schemeClr val="bg1"/>
           </a:solidFill>
           <a:ln w="12700">
             <a:solidFill>
@@ -5974,21 +5393,29 @@
           <a:p>
             <a:pPr algn="ctr"/>
             <a:r>
-              <a:rPr lang="en-US" altLang="ja-JP" sz="1600" dirty="0">
-                <a:solidFill>
-                  <a:schemeClr val="tx1"/>
-                </a:solidFill>
-              </a:rPr>
-              <a:t>T</a:t>
-            </a:r>
-            <a:r>
               <a:rPr lang="en-US" altLang="ja-JP" sz="1600" dirty="0" smtClean="0">
                 <a:solidFill>
                   <a:schemeClr val="tx1"/>
                 </a:solidFill>
               </a:rPr>
-              <a:t>uner</a:t>
-            </a:r>
+              <a:t>ISDB-T</a:t>
+            </a:r>
+          </a:p>
+          <a:p>
+            <a:pPr algn="ctr"/>
+            <a:r>
+              <a:rPr lang="en-US" altLang="ja-JP" sz="1600" dirty="0" smtClean="0">
+                <a:solidFill>
+                  <a:schemeClr val="tx1"/>
+                </a:solidFill>
+              </a:rPr>
+              <a:t>Tuner</a:t>
+            </a:r>
+            <a:endParaRPr lang="en-US" altLang="ja-JP" sz="1600" dirty="0" smtClean="0">
+              <a:solidFill>
+                <a:schemeClr val="tx1"/>
+              </a:solidFill>
+            </a:endParaRPr>
           </a:p>
           <a:p>
             <a:pPr algn="ctr"/>
@@ -5998,7 +5425,7 @@
                   <a:schemeClr val="tx1"/>
                 </a:solidFill>
               </a:rPr>
-              <a:t>driver</a:t>
+              <a:t>(it9175)</a:t>
             </a:r>
             <a:endParaRPr kumimoji="1" lang="en-US" altLang="ja-JP" sz="1600" dirty="0" smtClean="0">
               <a:solidFill>
@@ -6075,8 +5502,8 @@
         </p:nvCxnSpPr>
         <p:spPr>
           <a:xfrm rot="10800000">
-            <a:off x="5868144" y="4796164"/>
-            <a:ext cx="1900574" cy="425"/>
+            <a:off x="5940152" y="4806574"/>
+            <a:ext cx="1828566" cy="195205"/>
           </a:xfrm>
           <a:prstGeom prst="bentConnector3">
             <a:avLst>
@@ -6114,7 +5541,7 @@
         </p:nvSpPr>
         <p:spPr>
           <a:xfrm>
-            <a:off x="1176495" y="3012073"/>
+            <a:off x="891381" y="3389174"/>
             <a:ext cx="860948" cy="223639"/>
           </a:xfrm>
           <a:prstGeom prst="rect">
@@ -6178,7 +5605,7 @@
         </p:nvSpPr>
         <p:spPr>
           <a:xfrm>
-            <a:off x="7827307" y="3235711"/>
+            <a:off x="7800937" y="3270572"/>
             <a:ext cx="900017" cy="507403"/>
           </a:xfrm>
           <a:prstGeom prst="rect">
@@ -6253,13 +5680,295 @@
         </p:nvCxnSpPr>
         <p:spPr>
           <a:xfrm rot="10800000">
-            <a:off x="6784511" y="3171341"/>
-            <a:ext cx="1042797" cy="318072"/>
+            <a:off x="6372685" y="2610514"/>
+            <a:ext cx="1428252" cy="913761"/>
           </a:xfrm>
           <a:prstGeom prst="bentConnector3">
             <a:avLst>
               <a:gd name="adj1" fmla="val 50000"/>
             </a:avLst>
+          </a:prstGeom>
+          <a:ln>
+            <a:solidFill>
+              <a:schemeClr val="tx1"/>
+            </a:solidFill>
+            <a:headEnd type="triangle" w="med" len="med"/>
+            <a:tailEnd type="triangle" w="med" len="med"/>
+          </a:ln>
+        </p:spPr>
+        <p:style>
+          <a:lnRef idx="1">
+            <a:schemeClr val="accent1"/>
+          </a:lnRef>
+          <a:fillRef idx="0">
+            <a:schemeClr val="accent1"/>
+          </a:fillRef>
+          <a:effectRef idx="0">
+            <a:schemeClr val="accent1"/>
+          </a:effectRef>
+          <a:fontRef idx="minor">
+            <a:schemeClr val="tx1"/>
+          </a:fontRef>
+        </p:style>
+      </p:cxnSp>
+      <p:sp>
+        <p:nvSpPr>
+          <p:cNvPr id="107" name="正方形/長方形 106"/>
+          <p:cNvSpPr/>
+          <p:nvPr/>
+        </p:nvSpPr>
+        <p:spPr>
+          <a:xfrm>
+            <a:off x="1733138" y="3581644"/>
+            <a:ext cx="3333549" cy="362313"/>
+          </a:xfrm>
+          <a:prstGeom prst="rect">
+            <a:avLst/>
+          </a:prstGeom>
+          <a:solidFill>
+            <a:schemeClr val="accent6">
+              <a:lumMod val="60000"/>
+              <a:lumOff val="40000"/>
+            </a:schemeClr>
+          </a:solidFill>
+          <a:ln>
+            <a:solidFill>
+              <a:srgbClr val="FF0000"/>
+            </a:solidFill>
+          </a:ln>
+          <a:effectLst>
+            <a:outerShdw blurRad="50800" dist="38100" dir="2700000" algn="tl" rotWithShape="0">
+              <a:prstClr val="black">
+                <a:alpha val="40000"/>
+              </a:prstClr>
+            </a:outerShdw>
+          </a:effectLst>
+        </p:spPr>
+        <p:style>
+          <a:lnRef idx="2">
+            <a:schemeClr val="accent1">
+              <a:shade val="50000"/>
+            </a:schemeClr>
+          </a:lnRef>
+          <a:fillRef idx="1">
+            <a:schemeClr val="accent1"/>
+          </a:fillRef>
+          <a:effectRef idx="0">
+            <a:schemeClr val="accent1"/>
+          </a:effectRef>
+          <a:fontRef idx="minor">
+            <a:schemeClr val="lt1"/>
+          </a:fontRef>
+        </p:style>
+        <p:txBody>
+          <a:bodyPr rtlCol="0" anchor="ctr"/>
+          <a:lstStyle/>
+          <a:p>
+            <a:pPr algn="ctr"/>
+            <a:r>
+              <a:rPr kumimoji="1" lang="en-US" altLang="ja-JP" sz="1400" dirty="0" smtClean="0">
+                <a:solidFill>
+                  <a:schemeClr val="tx1"/>
+                </a:solidFill>
+              </a:rPr>
+              <a:t>PSI/SI Manager</a:t>
+            </a:r>
+            <a:endParaRPr kumimoji="1" lang="ja-JP" altLang="en-US" sz="1400" dirty="0">
+              <a:solidFill>
+                <a:schemeClr val="tx1"/>
+              </a:solidFill>
+            </a:endParaRPr>
+          </a:p>
+        </p:txBody>
+      </p:sp>
+      <p:sp>
+        <p:nvSpPr>
+          <p:cNvPr id="106" name="正方形/長方形 105"/>
+          <p:cNvSpPr/>
+          <p:nvPr/>
+        </p:nvSpPr>
+        <p:spPr>
+          <a:xfrm>
+            <a:off x="1845065" y="1769461"/>
+            <a:ext cx="2510911" cy="281768"/>
+          </a:xfrm>
+          <a:prstGeom prst="rect">
+            <a:avLst/>
+          </a:prstGeom>
+          <a:solidFill>
+            <a:schemeClr val="accent6">
+              <a:lumMod val="60000"/>
+              <a:lumOff val="40000"/>
+            </a:schemeClr>
+          </a:solidFill>
+          <a:ln>
+            <a:solidFill>
+              <a:srgbClr val="FF0000"/>
+            </a:solidFill>
+          </a:ln>
+          <a:effectLst>
+            <a:outerShdw blurRad="50800" dist="38100" dir="2700000" algn="tl" rotWithShape="0">
+              <a:prstClr val="black">
+                <a:alpha val="40000"/>
+              </a:prstClr>
+            </a:outerShdw>
+          </a:effectLst>
+        </p:spPr>
+        <p:style>
+          <a:lnRef idx="2">
+            <a:schemeClr val="accent1">
+              <a:shade val="50000"/>
+            </a:schemeClr>
+          </a:lnRef>
+          <a:fillRef idx="1">
+            <a:schemeClr val="accent1"/>
+          </a:fillRef>
+          <a:effectRef idx="0">
+            <a:schemeClr val="accent1"/>
+          </a:effectRef>
+          <a:fontRef idx="minor">
+            <a:schemeClr val="lt1"/>
+          </a:fontRef>
+        </p:style>
+        <p:txBody>
+          <a:bodyPr rtlCol="0" anchor="ctr"/>
+          <a:lstStyle/>
+          <a:p>
+            <a:pPr algn="ctr"/>
+            <a:r>
+              <a:rPr kumimoji="1" lang="en-US" altLang="ja-JP" sz="1400" dirty="0" err="1" smtClean="0">
+                <a:solidFill>
+                  <a:schemeClr val="tx1"/>
+                </a:solidFill>
+              </a:rPr>
+              <a:t>EventSchedule</a:t>
+            </a:r>
+            <a:r>
+              <a:rPr kumimoji="1" lang="en-US" altLang="ja-JP" sz="1400" dirty="0" smtClean="0">
+                <a:solidFill>
+                  <a:schemeClr val="tx1"/>
+                </a:solidFill>
+              </a:rPr>
+              <a:t> Manager</a:t>
+            </a:r>
+            <a:endParaRPr kumimoji="1" lang="ja-JP" altLang="en-US" sz="1400" dirty="0">
+              <a:solidFill>
+                <a:schemeClr val="tx1"/>
+              </a:solidFill>
+            </a:endParaRPr>
+          </a:p>
+        </p:txBody>
+      </p:sp>
+      <p:sp>
+        <p:nvSpPr>
+          <p:cNvPr id="140" name="正方形/長方形 139"/>
+          <p:cNvSpPr/>
+          <p:nvPr/>
+        </p:nvSpPr>
+        <p:spPr>
+          <a:xfrm>
+            <a:off x="3901957" y="1547548"/>
+            <a:ext cx="598035" cy="287400"/>
+          </a:xfrm>
+          <a:prstGeom prst="rect">
+            <a:avLst/>
+          </a:prstGeom>
+          <a:solidFill>
+            <a:srgbClr val="92D050"/>
+          </a:solidFill>
+          <a:ln w="19050">
+            <a:solidFill>
+              <a:srgbClr val="00B050"/>
+            </a:solidFill>
+          </a:ln>
+        </p:spPr>
+        <p:style>
+          <a:lnRef idx="2">
+            <a:schemeClr val="accent1">
+              <a:shade val="50000"/>
+            </a:schemeClr>
+          </a:lnRef>
+          <a:fillRef idx="1">
+            <a:schemeClr val="accent1"/>
+          </a:fillRef>
+          <a:effectRef idx="0">
+            <a:schemeClr val="accent1"/>
+          </a:effectRef>
+          <a:fontRef idx="minor">
+            <a:schemeClr val="lt1"/>
+          </a:fontRef>
+        </p:style>
+        <p:txBody>
+          <a:bodyPr rtlCol="0" anchor="ctr"/>
+          <a:lstStyle/>
+          <a:p>
+            <a:pPr algn="ctr"/>
+            <a:r>
+              <a:rPr lang="en-US" altLang="ja-JP" sz="1400" dirty="0" smtClean="0">
+                <a:solidFill>
+                  <a:schemeClr val="tx1"/>
+                </a:solidFill>
+              </a:rPr>
+              <a:t>EPG</a:t>
+            </a:r>
+            <a:endParaRPr kumimoji="1" lang="ja-JP" altLang="en-US" sz="1400" dirty="0">
+              <a:solidFill>
+                <a:schemeClr val="tx1"/>
+              </a:solidFill>
+            </a:endParaRPr>
+          </a:p>
+        </p:txBody>
+      </p:sp>
+      <p:cxnSp>
+        <p:nvCxnSpPr>
+          <p:cNvPr id="59" name="直線矢印コネクタ 58"/>
+          <p:cNvCxnSpPr/>
+          <p:nvPr/>
+        </p:nvCxnSpPr>
+        <p:spPr>
+          <a:xfrm>
+            <a:off x="2546302" y="2051229"/>
+            <a:ext cx="0" cy="814262"/>
+          </a:xfrm>
+          <a:prstGeom prst="straightConnector1">
+            <a:avLst/>
+          </a:prstGeom>
+          <a:ln>
+            <a:solidFill>
+              <a:schemeClr val="tx1"/>
+            </a:solidFill>
+            <a:headEnd type="triangle" w="med" len="med"/>
+            <a:tailEnd type="triangle" w="med" len="med"/>
+          </a:ln>
+        </p:spPr>
+        <p:style>
+          <a:lnRef idx="1">
+            <a:schemeClr val="accent1"/>
+          </a:lnRef>
+          <a:fillRef idx="0">
+            <a:schemeClr val="accent1"/>
+          </a:fillRef>
+          <a:effectRef idx="0">
+            <a:schemeClr val="accent1"/>
+          </a:effectRef>
+          <a:fontRef idx="minor">
+            <a:schemeClr val="tx1"/>
+          </a:fontRef>
+        </p:style>
+      </p:cxnSp>
+      <p:cxnSp>
+        <p:nvCxnSpPr>
+          <p:cNvPr id="63" name="直線矢印コネクタ 62"/>
+          <p:cNvCxnSpPr/>
+          <p:nvPr/>
+        </p:nvCxnSpPr>
+        <p:spPr>
+          <a:xfrm>
+            <a:off x="3388944" y="2582092"/>
+            <a:ext cx="0" cy="283399"/>
+          </a:xfrm>
+          <a:prstGeom prst="straightConnector1">
+            <a:avLst/>
           </a:prstGeom>
           <a:ln>
             <a:solidFill>
